--- a/Seminar/Open-domain Question Answering/Chettaoui_Presentation_Open-domain_Question_Answering.pptx
+++ b/Seminar/Open-domain Question Answering/Chettaoui_Presentation_Open-domain_Question_Answering.pptx
@@ -4275,7 +4275,7 @@
           <a:p>
             <a:fld id="{48BE3550-0739-42B7-9A45-B15E57BCDFD5}" type="datetime1">
               <a:rPr lang="de-DE" smtClean="0"/>
-              <a:t>12.01.2022</a:t>
+              <a:t>30.05.2022</a:t>
             </a:fld>
             <a:endParaRPr lang="de-DE" dirty="0"/>
           </a:p>
@@ -4453,7 +4453,7 @@
           <a:p>
             <a:fld id="{12B69397-55EF-4172-AAC6-91AAA4285C4B}" type="datetime1">
               <a:rPr lang="de-DE" smtClean="0"/>
-              <a:t>12.01.2022</a:t>
+              <a:t>30.05.2022</a:t>
             </a:fld>
             <a:endParaRPr lang="de-DE" dirty="0"/>
           </a:p>
@@ -4620,7 +4620,7 @@
           <a:p>
             <a:fld id="{F7665972-A674-42BB-A6D3-497C66CECC7B}" type="datetime1">
               <a:rPr lang="de-DE" smtClean="0"/>
-              <a:t>12.01.2022</a:t>
+              <a:t>30.05.2022</a:t>
             </a:fld>
             <a:endParaRPr lang="de-DE" dirty="0"/>
           </a:p>
@@ -4810,7 +4810,7 @@
           <a:p>
             <a:fld id="{2D3A8543-D51A-47F9-8B8C-F345AB63733A}" type="datetime1">
               <a:rPr lang="de-DE" smtClean="0"/>
-              <a:t>12.01.2022</a:t>
+              <a:t>30.05.2022</a:t>
             </a:fld>
             <a:endParaRPr lang="de-DE" dirty="0"/>
           </a:p>
@@ -5094,7 +5094,7 @@
           <a:p>
             <a:fld id="{DD0AE0CA-F49A-4A73-B57F-22997294E071}" type="datetime1">
               <a:rPr lang="de-DE" smtClean="0"/>
-              <a:t>12.01.2022</a:t>
+              <a:t>30.05.2022</a:t>
             </a:fld>
             <a:endParaRPr lang="de-DE" dirty="0"/>
           </a:p>
@@ -5517,7 +5517,7 @@
           <a:p>
             <a:fld id="{AEAA860C-D31C-4FE4-87E8-BBD43D289E2E}" type="datetime1">
               <a:rPr lang="de-DE" smtClean="0"/>
-              <a:t>12.01.2022</a:t>
+              <a:t>30.05.2022</a:t>
             </a:fld>
             <a:endParaRPr lang="de-DE" dirty="0"/>
           </a:p>
@@ -5633,7 +5633,7 @@
           <a:p>
             <a:fld id="{581B3696-7C53-41B7-B728-05BA33284096}" type="datetime1">
               <a:rPr lang="de-DE" smtClean="0"/>
-              <a:t>12.01.2022</a:t>
+              <a:t>30.05.2022</a:t>
             </a:fld>
             <a:endParaRPr lang="de-DE" dirty="0"/>
           </a:p>
@@ -5727,7 +5727,7 @@
           <a:p>
             <a:fld id="{9B213EAA-0E19-4292-8C88-DF7DBF40B533}" type="datetime1">
               <a:rPr lang="de-DE" smtClean="0"/>
-              <a:t>12.01.2022</a:t>
+              <a:t>30.05.2022</a:t>
             </a:fld>
             <a:endParaRPr lang="de-DE" dirty="0"/>
           </a:p>
@@ -6001,7 +6001,7 @@
           <a:p>
             <a:fld id="{72163304-4CBF-499B-B5D7-6025FB62C3E4}" type="datetime1">
               <a:rPr lang="de-DE" smtClean="0"/>
-              <a:t>12.01.2022</a:t>
+              <a:t>30.05.2022</a:t>
             </a:fld>
             <a:endParaRPr lang="de-DE" dirty="0"/>
           </a:p>
@@ -6256,7 +6256,7 @@
           <a:p>
             <a:fld id="{0A4A16D7-93DC-4B03-AF4B-43CA872DBDE7}" type="datetime1">
               <a:rPr lang="de-DE" smtClean="0"/>
-              <a:t>12.01.2022</a:t>
+              <a:t>30.05.2022</a:t>
             </a:fld>
             <a:endParaRPr lang="de-DE" dirty="0"/>
           </a:p>
@@ -6642,7 +6642,7 @@
           <a:p>
             <a:fld id="{FD7711E6-56E3-4D02-B403-66B465DEBB30}" type="datetime1">
               <a:rPr lang="de-DE" smtClean="0"/>
-              <a:t>12.01.2022</a:t>
+              <a:t>30.05.2022</a:t>
             </a:fld>
             <a:endParaRPr lang="de-DE" dirty="0"/>
           </a:p>
@@ -7314,7 +7314,7 @@
           <a:p>
             <a:fld id="{EC046514-D64E-4E11-9A4F-93F7342547CA}" type="datetime1">
               <a:rPr lang="de-DE" smtClean="0"/>
-              <a:t>12.01.2022</a:t>
+              <a:t>30.05.2022</a:t>
             </a:fld>
             <a:endParaRPr lang="de-DE" dirty="0"/>
           </a:p>
@@ -7795,7 +7795,7 @@
           <a:p>
             <a:fld id="{EC046514-D64E-4E11-9A4F-93F7342547CA}" type="datetime1">
               <a:rPr lang="de-DE" smtClean="0"/>
-              <a:t>12.01.2022</a:t>
+              <a:t>30.05.2022</a:t>
             </a:fld>
             <a:endParaRPr lang="de-DE" dirty="0"/>
           </a:p>
@@ -8223,7 +8223,7 @@
           <a:p>
             <a:fld id="{EC046514-D64E-4E11-9A4F-93F7342547CA}" type="datetime1">
               <a:rPr lang="de-DE" smtClean="0"/>
-              <a:t>12.01.2022</a:t>
+              <a:t>30.05.2022</a:t>
             </a:fld>
             <a:endParaRPr lang="de-DE" dirty="0"/>
           </a:p>
@@ -8631,7 +8631,7 @@
           <a:p>
             <a:fld id="{EC046514-D64E-4E11-9A4F-93F7342547CA}" type="datetime1">
               <a:rPr lang="de-DE" smtClean="0"/>
-              <a:t>12.01.2022</a:t>
+              <a:t>30.05.2022</a:t>
             </a:fld>
             <a:endParaRPr lang="de-DE" dirty="0"/>
           </a:p>
@@ -9077,7 +9077,7 @@
           <a:p>
             <a:fld id="{EC046514-D64E-4E11-9A4F-93F7342547CA}" type="datetime1">
               <a:rPr lang="de-DE" smtClean="0"/>
-              <a:t>12.01.2022</a:t>
+              <a:t>30.05.2022</a:t>
             </a:fld>
             <a:endParaRPr lang="de-DE" dirty="0"/>
           </a:p>
@@ -9423,7 +9423,7 @@
           <a:p>
             <a:fld id="{EC046514-D64E-4E11-9A4F-93F7342547CA}" type="datetime1">
               <a:rPr lang="de-DE" smtClean="0"/>
-              <a:t>12.01.2022</a:t>
+              <a:t>30.05.2022</a:t>
             </a:fld>
             <a:endParaRPr lang="de-DE" dirty="0"/>
           </a:p>
@@ -9783,7 +9783,7 @@
           <a:p>
             <a:fld id="{EC046514-D64E-4E11-9A4F-93F7342547CA}" type="datetime1">
               <a:rPr lang="de-DE" smtClean="0"/>
-              <a:t>12.01.2022</a:t>
+              <a:t>30.05.2022</a:t>
             </a:fld>
             <a:endParaRPr lang="de-DE" dirty="0"/>
           </a:p>
@@ -10168,7 +10168,7 @@
           <a:p>
             <a:fld id="{EC046514-D64E-4E11-9A4F-93F7342547CA}" type="datetime1">
               <a:rPr lang="de-DE" smtClean="0"/>
-              <a:t>12.01.2022</a:t>
+              <a:t>30.05.2022</a:t>
             </a:fld>
             <a:endParaRPr lang="de-DE" dirty="0"/>
           </a:p>
@@ -10600,7 +10600,7 @@
           <a:p>
             <a:fld id="{EC046514-D64E-4E11-9A4F-93F7342547CA}" type="datetime1">
               <a:rPr lang="de-DE" smtClean="0"/>
-              <a:t>12.01.2022</a:t>
+              <a:t>30.05.2022</a:t>
             </a:fld>
             <a:endParaRPr lang="de-DE" dirty="0"/>
           </a:p>
@@ -11028,7 +11028,7 @@
           <a:p>
             <a:fld id="{EC046514-D64E-4E11-9A4F-93F7342547CA}" type="datetime1">
               <a:rPr lang="de-DE" smtClean="0"/>
-              <a:t>12.01.2022</a:t>
+              <a:t>30.05.2022</a:t>
             </a:fld>
             <a:endParaRPr lang="de-DE" dirty="0"/>
           </a:p>
@@ -11974,7 +11974,7 @@
           <a:p>
             <a:fld id="{EC046514-D64E-4E11-9A4F-93F7342547CA}" type="datetime1">
               <a:rPr lang="de-DE" smtClean="0"/>
-              <a:t>12.01.2022</a:t>
+              <a:t>30.05.2022</a:t>
             </a:fld>
             <a:endParaRPr lang="de-DE" dirty="0"/>
           </a:p>
@@ -12068,7 +12068,7 @@
           <a:p>
             <a:fld id="{EC046514-D64E-4E11-9A4F-93F7342547CA}" type="datetime1">
               <a:rPr lang="de-DE" smtClean="0"/>
-              <a:t>12.01.2022</a:t>
+              <a:t>30.05.2022</a:t>
             </a:fld>
             <a:endParaRPr lang="de-DE" dirty="0"/>
           </a:p>
@@ -12485,7 +12485,7 @@
           <a:p>
             <a:fld id="{EC046514-D64E-4E11-9A4F-93F7342547CA}" type="datetime1">
               <a:rPr lang="de-DE" smtClean="0"/>
-              <a:t>12.01.2022</a:t>
+              <a:t>30.05.2022</a:t>
             </a:fld>
             <a:endParaRPr lang="de-DE" dirty="0"/>
           </a:p>
@@ -12638,7 +12638,7 @@
           <a:p>
             <a:fld id="{EC046514-D64E-4E11-9A4F-93F7342547CA}" type="datetime1">
               <a:rPr lang="de-DE" smtClean="0"/>
-              <a:t>12.01.2022</a:t>
+              <a:t>30.05.2022</a:t>
             </a:fld>
             <a:endParaRPr lang="de-DE" dirty="0"/>
           </a:p>
@@ -13425,7 +13425,7 @@
           <a:p>
             <a:fld id="{EC046514-D64E-4E11-9A4F-93F7342547CA}" type="datetime1">
               <a:rPr lang="de-DE" smtClean="0"/>
-              <a:t>12.01.2022</a:t>
+              <a:t>30.05.2022</a:t>
             </a:fld>
             <a:endParaRPr lang="de-DE" dirty="0"/>
           </a:p>
@@ -13524,7 +13524,7 @@
           <a:p>
             <a:fld id="{EC046514-D64E-4E11-9A4F-93F7342547CA}" type="datetime1">
               <a:rPr lang="de-DE" smtClean="0"/>
-              <a:t>12.01.2022</a:t>
+              <a:t>30.05.2022</a:t>
             </a:fld>
             <a:endParaRPr lang="de-DE" dirty="0"/>
           </a:p>
@@ -14043,7 +14043,7 @@
           <a:p>
             <a:fld id="{EC046514-D64E-4E11-9A4F-93F7342547CA}" type="datetime1">
               <a:rPr lang="de-DE" smtClean="0"/>
-              <a:t>12.01.2022</a:t>
+              <a:t>30.05.2022</a:t>
             </a:fld>
             <a:endParaRPr lang="de-DE" dirty="0"/>
           </a:p>
@@ -14296,7 +14296,7 @@
           <a:p>
             <a:fld id="{EC046514-D64E-4E11-9A4F-93F7342547CA}" type="datetime1">
               <a:rPr lang="de-DE" smtClean="0"/>
-              <a:t>12.01.2022</a:t>
+              <a:t>30.05.2022</a:t>
             </a:fld>
             <a:endParaRPr lang="de-DE" dirty="0"/>
           </a:p>
@@ -14866,7 +14866,7 @@
           <a:p>
             <a:fld id="{EC046514-D64E-4E11-9A4F-93F7342547CA}" type="datetime1">
               <a:rPr lang="de-DE" smtClean="0"/>
-              <a:t>12.01.2022</a:t>
+              <a:t>30.05.2022</a:t>
             </a:fld>
             <a:endParaRPr lang="de-DE" dirty="0"/>
           </a:p>
@@ -15300,7 +15300,7 @@
           <a:p>
             <a:fld id="{EC046514-D64E-4E11-9A4F-93F7342547CA}" type="datetime1">
               <a:rPr lang="de-DE" smtClean="0"/>
-              <a:t>12.01.2022</a:t>
+              <a:t>30.05.2022</a:t>
             </a:fld>
             <a:endParaRPr lang="de-DE" dirty="0"/>
           </a:p>
@@ -15753,7 +15753,7 @@
           <a:p>
             <a:fld id="{EC046514-D64E-4E11-9A4F-93F7342547CA}" type="datetime1">
               <a:rPr lang="de-DE" smtClean="0"/>
-              <a:t>12.01.2022</a:t>
+              <a:t>30.05.2022</a:t>
             </a:fld>
             <a:endParaRPr lang="de-DE" dirty="0"/>
           </a:p>
@@ -16108,7 +16108,7 @@
           <a:p>
             <a:fld id="{EC046514-D64E-4E11-9A4F-93F7342547CA}" type="datetime1">
               <a:rPr lang="de-DE" smtClean="0"/>
-              <a:t>12.01.2022</a:t>
+              <a:t>30.05.2022</a:t>
             </a:fld>
             <a:endParaRPr lang="de-DE" dirty="0"/>
           </a:p>
@@ -16540,7 +16540,7 @@
           <a:p>
             <a:fld id="{EC046514-D64E-4E11-9A4F-93F7342547CA}" type="datetime1">
               <a:rPr lang="de-DE" smtClean="0"/>
-              <a:t>12.01.2022</a:t>
+              <a:t>30.05.2022</a:t>
             </a:fld>
             <a:endParaRPr lang="de-DE" dirty="0"/>
           </a:p>
@@ -16780,7 +16780,7 @@
           <a:p>
             <a:fld id="{EC046514-D64E-4E11-9A4F-93F7342547CA}" type="datetime1">
               <a:rPr lang="de-DE" smtClean="0"/>
-              <a:t>12.01.2022</a:t>
+              <a:t>30.05.2022</a:t>
             </a:fld>
             <a:endParaRPr lang="de-DE" dirty="0"/>
           </a:p>
